--- a/GenotypeCalling_RouteMap.pptx
+++ b/GenotypeCalling_RouteMap.pptx
@@ -107,6 +107,11 @@
       </a:defRPr>
     </a:lvl9pPr>
   </p:defaultTextStyle>
+  <p:extLst>
+    <p:ext uri="{EFAFB233-063F-42B5-8137-9DF3F51BA10A}">
+      <p15:sldGuideLst xmlns:p15="http://schemas.microsoft.com/office/powerpoint/2012/main"/>
+    </p:ext>
+  </p:extLst>
 </p:presentation>
 </file>
 
@@ -192,7 +197,7 @@
           <a:p>
             <a:fld id="{B41B6219-C1ED-428F-B81A-B6A035A6C858}" type="datetimeFigureOut">
               <a:rPr lang="LID4096" smtClean="0"/>
-              <a:t>02/07/2025</a:t>
+              <a:t>03/05/2025</a:t>
             </a:fld>
             <a:endParaRPr lang="LID4096"/>
           </a:p>
@@ -680,7 +685,7 @@
           <a:p>
             <a:fld id="{805267E5-C4E8-461F-A01C-7BDA19FE0128}" type="datetimeFigureOut">
               <a:rPr lang="LID4096" smtClean="0"/>
-              <a:t>02/07/2025</a:t>
+              <a:t>03/05/2025</a:t>
             </a:fld>
             <a:endParaRPr lang="LID4096"/>
           </a:p>
@@ -850,7 +855,7 @@
           <a:p>
             <a:fld id="{805267E5-C4E8-461F-A01C-7BDA19FE0128}" type="datetimeFigureOut">
               <a:rPr lang="LID4096" smtClean="0"/>
-              <a:t>02/07/2025</a:t>
+              <a:t>03/05/2025</a:t>
             </a:fld>
             <a:endParaRPr lang="LID4096"/>
           </a:p>
@@ -1030,7 +1035,7 @@
           <a:p>
             <a:fld id="{805267E5-C4E8-461F-A01C-7BDA19FE0128}" type="datetimeFigureOut">
               <a:rPr lang="LID4096" smtClean="0"/>
-              <a:t>02/07/2025</a:t>
+              <a:t>03/05/2025</a:t>
             </a:fld>
             <a:endParaRPr lang="LID4096"/>
           </a:p>
@@ -1200,7 +1205,7 @@
           <a:p>
             <a:fld id="{805267E5-C4E8-461F-A01C-7BDA19FE0128}" type="datetimeFigureOut">
               <a:rPr lang="LID4096" smtClean="0"/>
-              <a:t>02/07/2025</a:t>
+              <a:t>03/05/2025</a:t>
             </a:fld>
             <a:endParaRPr lang="LID4096"/>
           </a:p>
@@ -1444,7 +1449,7 @@
           <a:p>
             <a:fld id="{805267E5-C4E8-461F-A01C-7BDA19FE0128}" type="datetimeFigureOut">
               <a:rPr lang="LID4096" smtClean="0"/>
-              <a:t>02/07/2025</a:t>
+              <a:t>03/05/2025</a:t>
             </a:fld>
             <a:endParaRPr lang="LID4096"/>
           </a:p>
@@ -1676,7 +1681,7 @@
           <a:p>
             <a:fld id="{805267E5-C4E8-461F-A01C-7BDA19FE0128}" type="datetimeFigureOut">
               <a:rPr lang="LID4096" smtClean="0"/>
-              <a:t>02/07/2025</a:t>
+              <a:t>03/05/2025</a:t>
             </a:fld>
             <a:endParaRPr lang="LID4096"/>
           </a:p>
@@ -2043,7 +2048,7 @@
           <a:p>
             <a:fld id="{805267E5-C4E8-461F-A01C-7BDA19FE0128}" type="datetimeFigureOut">
               <a:rPr lang="LID4096" smtClean="0"/>
-              <a:t>02/07/2025</a:t>
+              <a:t>03/05/2025</a:t>
             </a:fld>
             <a:endParaRPr lang="LID4096"/>
           </a:p>
@@ -2161,7 +2166,7 @@
           <a:p>
             <a:fld id="{805267E5-C4E8-461F-A01C-7BDA19FE0128}" type="datetimeFigureOut">
               <a:rPr lang="LID4096" smtClean="0"/>
-              <a:t>02/07/2025</a:t>
+              <a:t>03/05/2025</a:t>
             </a:fld>
             <a:endParaRPr lang="LID4096"/>
           </a:p>
@@ -2256,7 +2261,7 @@
           <a:p>
             <a:fld id="{805267E5-C4E8-461F-A01C-7BDA19FE0128}" type="datetimeFigureOut">
               <a:rPr lang="LID4096" smtClean="0"/>
-              <a:t>02/07/2025</a:t>
+              <a:t>03/05/2025</a:t>
             </a:fld>
             <a:endParaRPr lang="LID4096"/>
           </a:p>
@@ -2533,7 +2538,7 @@
           <a:p>
             <a:fld id="{805267E5-C4E8-461F-A01C-7BDA19FE0128}" type="datetimeFigureOut">
               <a:rPr lang="LID4096" smtClean="0"/>
-              <a:t>02/07/2025</a:t>
+              <a:t>03/05/2025</a:t>
             </a:fld>
             <a:endParaRPr lang="LID4096"/>
           </a:p>
@@ -2790,7 +2795,7 @@
           <a:p>
             <a:fld id="{805267E5-C4E8-461F-A01C-7BDA19FE0128}" type="datetimeFigureOut">
               <a:rPr lang="LID4096" smtClean="0"/>
-              <a:t>02/07/2025</a:t>
+              <a:t>03/05/2025</a:t>
             </a:fld>
             <a:endParaRPr lang="LID4096"/>
           </a:p>
@@ -3003,7 +3008,7 @@
           <a:p>
             <a:fld id="{805267E5-C4E8-461F-A01C-7BDA19FE0128}" type="datetimeFigureOut">
               <a:rPr lang="LID4096" smtClean="0"/>
-              <a:t>02/07/2025</a:t>
+              <a:t>03/05/2025</a:t>
             </a:fld>
             <a:endParaRPr lang="LID4096"/>
           </a:p>
@@ -3424,7 +3429,7 @@
         </p:nvSpPr>
         <p:spPr bwMode="auto">
           <a:xfrm>
-            <a:off x="4227777" y="3538323"/>
+            <a:off x="2983177" y="3538323"/>
             <a:ext cx="1047430" cy="369888"/>
           </a:xfrm>
           <a:prstGeom prst="rect">
@@ -3505,7 +3510,7 @@
         </p:nvSpPr>
         <p:spPr bwMode="auto">
           <a:xfrm>
-            <a:off x="9164341" y="3556192"/>
+            <a:off x="8006826" y="3556192"/>
             <a:ext cx="896618" cy="369888"/>
           </a:xfrm>
           <a:prstGeom prst="rect">
@@ -3586,7 +3591,7 @@
         </p:nvSpPr>
         <p:spPr bwMode="auto">
           <a:xfrm>
-            <a:off x="5623898" y="3598513"/>
+            <a:off x="4379298" y="3598513"/>
             <a:ext cx="3092450" cy="261482"/>
           </a:xfrm>
           <a:prstGeom prst="rect">
@@ -3651,7 +3656,7 @@
         </p:nvSpPr>
         <p:spPr bwMode="auto">
           <a:xfrm>
-            <a:off x="5623898" y="4551905"/>
+            <a:off x="4379298" y="4551905"/>
             <a:ext cx="3092450" cy="261482"/>
           </a:xfrm>
           <a:prstGeom prst="rect">
@@ -3716,7 +3721,7 @@
         </p:nvSpPr>
         <p:spPr bwMode="auto">
           <a:xfrm>
-            <a:off x="3939562" y="5506597"/>
+            <a:off x="2694962" y="5506597"/>
             <a:ext cx="2738911" cy="261482"/>
           </a:xfrm>
           <a:prstGeom prst="rect">
@@ -3786,7 +3791,7 @@
         </p:nvSpPr>
         <p:spPr bwMode="auto">
           <a:xfrm>
-            <a:off x="5634216" y="6441943"/>
+            <a:off x="4389616" y="6441943"/>
             <a:ext cx="3071814" cy="261482"/>
           </a:xfrm>
           <a:prstGeom prst="rect">
@@ -3859,7 +3864,7 @@
         </p:nvSpPr>
         <p:spPr bwMode="auto">
           <a:xfrm>
-            <a:off x="3638731" y="7257028"/>
+            <a:off x="2394131" y="7409428"/>
             <a:ext cx="3014340" cy="261482"/>
           </a:xfrm>
           <a:prstGeom prst="rect">
@@ -3949,7 +3954,7 @@
         </p:nvSpPr>
         <p:spPr bwMode="auto">
           <a:xfrm>
-            <a:off x="5613580" y="2676133"/>
+            <a:off x="4368980" y="2676133"/>
             <a:ext cx="3092450" cy="261482"/>
           </a:xfrm>
           <a:prstGeom prst="rect">
@@ -4012,8 +4017,8 @@
         </p:nvCxnSpPr>
         <p:spPr>
           <a:xfrm>
-            <a:off x="7152184" y="3071437"/>
-            <a:ext cx="0" cy="548005"/>
+            <a:off x="5907584" y="2947611"/>
+            <a:ext cx="0" cy="648000"/>
           </a:xfrm>
           <a:prstGeom prst="straightConnector1">
             <a:avLst/>
@@ -4054,8 +4059,8 @@
         </p:nvCxnSpPr>
         <p:spPr>
           <a:xfrm>
-            <a:off x="7159804" y="3995389"/>
-            <a:ext cx="0" cy="548005"/>
+            <a:off x="5915204" y="3868388"/>
+            <a:ext cx="0" cy="684000"/>
           </a:xfrm>
           <a:prstGeom prst="straightConnector1">
             <a:avLst/>
@@ -4086,8 +4091,8 @@
         </p:nvCxnSpPr>
         <p:spPr>
           <a:xfrm>
-            <a:off x="6131104" y="4958591"/>
-            <a:ext cx="0" cy="548005"/>
+            <a:off x="4886504" y="4818890"/>
+            <a:ext cx="0" cy="684000"/>
           </a:xfrm>
           <a:prstGeom prst="straightConnector1">
             <a:avLst/>
@@ -4120,7 +4125,7 @@
         </p:nvSpPr>
         <p:spPr bwMode="auto">
           <a:xfrm>
-            <a:off x="7339989" y="3186176"/>
+            <a:off x="6095389" y="3142634"/>
             <a:ext cx="3490913" cy="369886"/>
           </a:xfrm>
           <a:prstGeom prst="rect">
@@ -4223,7 +4228,7 @@
         </p:nvSpPr>
         <p:spPr bwMode="auto">
           <a:xfrm>
-            <a:off x="7339984" y="4116939"/>
+            <a:off x="6095384" y="4116939"/>
             <a:ext cx="5559426" cy="369886"/>
           </a:xfrm>
           <a:prstGeom prst="rect">
@@ -4388,7 +4393,7 @@
         </p:nvSpPr>
         <p:spPr bwMode="auto">
           <a:xfrm>
-            <a:off x="4226104" y="5095717"/>
+            <a:off x="2981504" y="5095717"/>
             <a:ext cx="1854200" cy="246307"/>
           </a:xfrm>
           <a:prstGeom prst="rect">
@@ -4491,7 +4496,7 @@
         </p:nvSpPr>
         <p:spPr bwMode="auto">
           <a:xfrm>
-            <a:off x="6260960" y="5930846"/>
+            <a:off x="5016360" y="5974388"/>
             <a:ext cx="2114550" cy="224971"/>
           </a:xfrm>
           <a:prstGeom prst="rect">
@@ -4590,7 +4595,7 @@
         </p:nvSpPr>
         <p:spPr bwMode="auto">
           <a:xfrm>
-            <a:off x="4276905" y="6852667"/>
+            <a:off x="3032305" y="6852667"/>
             <a:ext cx="1854200" cy="261610"/>
           </a:xfrm>
           <a:prstGeom prst="rect">
@@ -4721,8 +4726,8 @@
         </p:nvCxnSpPr>
         <p:spPr>
           <a:xfrm>
-            <a:off x="4415016" y="7557252"/>
-            <a:ext cx="0" cy="629999"/>
+            <a:off x="3170416" y="7671551"/>
+            <a:ext cx="0" cy="662400"/>
           </a:xfrm>
           <a:prstGeom prst="straightConnector1">
             <a:avLst/>
@@ -4757,7 +4762,7 @@
         </p:nvSpPr>
         <p:spPr bwMode="auto">
           <a:xfrm>
-            <a:off x="10560347" y="8653890"/>
+            <a:off x="9315747" y="8600550"/>
             <a:ext cx="2224883" cy="261482"/>
           </a:xfrm>
           <a:prstGeom prst="rect">
@@ -4828,8 +4833,8 @@
         </p:nvSpPr>
         <p:spPr bwMode="auto">
           <a:xfrm>
-            <a:off x="7318236" y="8486402"/>
-            <a:ext cx="1854200" cy="369888"/>
+            <a:off x="6073636" y="8608322"/>
+            <a:ext cx="906462" cy="369888"/>
           </a:xfrm>
           <a:prstGeom prst="rect">
             <a:avLst/>
@@ -4905,7 +4910,7 @@
         </p:nvSpPr>
         <p:spPr bwMode="auto">
           <a:xfrm>
-            <a:off x="11640126" y="7453111"/>
+            <a:off x="10395526" y="7307968"/>
             <a:ext cx="1132680" cy="201965"/>
           </a:xfrm>
           <a:prstGeom prst="rect">
@@ -4987,7 +4992,7 @@
         </p:nvSpPr>
         <p:spPr bwMode="auto">
           <a:xfrm>
-            <a:off x="1704797" y="8203285"/>
+            <a:off x="460197" y="8348065"/>
             <a:ext cx="3092450" cy="261482"/>
           </a:xfrm>
           <a:prstGeom prst="rect">
@@ -5060,7 +5065,7 @@
         </p:nvSpPr>
         <p:spPr bwMode="auto">
           <a:xfrm>
-            <a:off x="9164342" y="5421901"/>
+            <a:off x="7919742" y="5421901"/>
             <a:ext cx="1047430" cy="369888"/>
           </a:xfrm>
           <a:prstGeom prst="rect">
@@ -5141,8 +5146,8 @@
         </p:nvSpPr>
         <p:spPr bwMode="auto">
           <a:xfrm>
-            <a:off x="10560347" y="8331806"/>
-            <a:ext cx="2224883" cy="311150"/>
+            <a:off x="9315747" y="8347046"/>
+            <a:ext cx="2224883" cy="257708"/>
           </a:xfrm>
           <a:prstGeom prst="rect">
             <a:avLst/>
@@ -5177,9 +5182,6 @@
             </a:pPr>
             <a:r>
               <a:rPr lang="en-GB" altLang="LID4096" sz="1099" b="1" dirty="0">
-                <a:solidFill>
-                  <a:srgbClr val="FF0000"/>
-                </a:solidFill>
                 <a:latin typeface="Calibri" panose="020F0502020204030204" pitchFamily="34" charset="0"/>
                 <a:ea typeface="Calibri" panose="020F0502020204030204" pitchFamily="34" charset="0"/>
                 <a:cs typeface="Times New Roman" panose="02020603050405020304" pitchFamily="18" charset="0"/>
@@ -5187,9 +5189,6 @@
               <a:t>INPUT FOR SAMBAR</a:t>
             </a:r>
             <a:endParaRPr lang="en-GB" altLang="LID4096" dirty="0">
-              <a:solidFill>
-                <a:srgbClr val="FF0000"/>
-              </a:solidFill>
               <a:latin typeface="Arial" panose="020B0604020202020204" pitchFamily="34" charset="0"/>
             </a:endParaRPr>
           </a:p>
@@ -5211,8 +5210,8 @@
         </p:nvSpPr>
         <p:spPr bwMode="auto">
           <a:xfrm>
-            <a:off x="10568165" y="4750653"/>
-            <a:ext cx="2114550" cy="261482"/>
+            <a:off x="9315628" y="4750653"/>
+            <a:ext cx="2136653" cy="260402"/>
           </a:xfrm>
           <a:prstGeom prst="rect">
             <a:avLst/>
@@ -5282,7 +5281,7 @@
         </p:nvSpPr>
         <p:spPr bwMode="auto">
           <a:xfrm>
-            <a:off x="9126242" y="4484289"/>
+            <a:off x="7881642" y="4484289"/>
             <a:ext cx="934718" cy="286918"/>
           </a:xfrm>
           <a:prstGeom prst="rect">
@@ -5359,7 +5358,7 @@
         </p:nvCxnSpPr>
         <p:spPr>
           <a:xfrm flipV="1">
-            <a:off x="8726669" y="4735359"/>
+            <a:off x="7482069" y="4735359"/>
             <a:ext cx="1853999" cy="0"/>
           </a:xfrm>
           <a:prstGeom prst="straightConnector1">
@@ -5393,8 +5392,8 @@
         </p:nvSpPr>
         <p:spPr bwMode="auto">
           <a:xfrm>
-            <a:off x="10571533" y="4481416"/>
-            <a:ext cx="2114550" cy="272663"/>
+            <a:off x="9315628" y="4525866"/>
+            <a:ext cx="2136653" cy="228213"/>
           </a:xfrm>
           <a:prstGeom prst="rect">
             <a:avLst/>
@@ -5457,7 +5456,7 @@
         </p:nvSpPr>
         <p:spPr bwMode="auto">
           <a:xfrm>
-            <a:off x="1725433" y="1501187"/>
+            <a:off x="480833" y="1501187"/>
             <a:ext cx="10949346" cy="1231106"/>
           </a:xfrm>
           <a:prstGeom prst="rect">
@@ -5840,7 +5839,7 @@
         </p:nvSpPr>
         <p:spPr bwMode="auto">
           <a:xfrm>
-            <a:off x="936013" y="2269170"/>
+            <a:off x="758213" y="2269170"/>
             <a:ext cx="184731" cy="369332"/>
           </a:xfrm>
           <a:prstGeom prst="rect">
@@ -6712,7 +6711,7 @@
         </p:nvCxnSpPr>
         <p:spPr>
           <a:xfrm>
-            <a:off x="6703873" y="5656450"/>
+            <a:off x="5459273" y="5656450"/>
             <a:ext cx="3888000" cy="0"/>
           </a:xfrm>
           <a:prstGeom prst="straightConnector1">
@@ -6748,7 +6747,7 @@
         </p:nvSpPr>
         <p:spPr bwMode="auto">
           <a:xfrm>
-            <a:off x="10560228" y="5529104"/>
+            <a:off x="9315628" y="5529104"/>
             <a:ext cx="2114550" cy="261482"/>
           </a:xfrm>
           <a:prstGeom prst="rect">
@@ -6825,7 +6824,7 @@
         </p:nvSpPr>
         <p:spPr bwMode="auto">
           <a:xfrm>
-            <a:off x="10568165" y="6281369"/>
+            <a:off x="9323565" y="6281369"/>
             <a:ext cx="2114550" cy="311150"/>
           </a:xfrm>
           <a:prstGeom prst="rect">
@@ -6895,7 +6894,7 @@
         </p:nvCxnSpPr>
         <p:spPr>
           <a:xfrm>
-            <a:off x="6131104" y="5768207"/>
+            <a:off x="4886504" y="5768207"/>
             <a:ext cx="0" cy="683268"/>
           </a:xfrm>
           <a:prstGeom prst="straightConnector1">
@@ -6927,8 +6926,8 @@
         </p:nvCxnSpPr>
         <p:spPr>
           <a:xfrm>
-            <a:off x="8224699" y="4958591"/>
-            <a:ext cx="0" cy="1494001"/>
+            <a:off x="6980099" y="4825240"/>
+            <a:ext cx="0" cy="1620000"/>
           </a:xfrm>
           <a:prstGeom prst="straightConnector1">
             <a:avLst/>
@@ -6959,8 +6958,8 @@
         </p:nvCxnSpPr>
         <p:spPr>
           <a:xfrm>
-            <a:off x="4426129" y="6721985"/>
-            <a:ext cx="0" cy="548005"/>
+            <a:off x="3181529" y="6721984"/>
+            <a:ext cx="0" cy="684000"/>
           </a:xfrm>
           <a:prstGeom prst="straightConnector1">
             <a:avLst/>
@@ -6993,8 +6992,8 @@
         </p:nvCxnSpPr>
         <p:spPr>
           <a:xfrm>
-            <a:off x="2185848" y="6713087"/>
-            <a:ext cx="0" cy="1494001"/>
+            <a:off x="941248" y="6713086"/>
+            <a:ext cx="0" cy="1620000"/>
           </a:xfrm>
           <a:prstGeom prst="straightConnector1">
             <a:avLst/>
@@ -7027,7 +7026,7 @@
         </p:nvSpPr>
         <p:spPr bwMode="auto">
           <a:xfrm>
-            <a:off x="1725433" y="8749025"/>
+            <a:off x="480833" y="8832845"/>
             <a:ext cx="3071814" cy="261482"/>
           </a:xfrm>
           <a:prstGeom prst="rect">
@@ -7100,7 +7099,7 @@
         </p:nvSpPr>
         <p:spPr bwMode="auto">
           <a:xfrm>
-            <a:off x="10568165" y="6592520"/>
+            <a:off x="9323565" y="6592520"/>
             <a:ext cx="2114550" cy="261482"/>
           </a:xfrm>
           <a:prstGeom prst="rect">
@@ -7182,7 +7181,7 @@
         </p:nvCxnSpPr>
         <p:spPr>
           <a:xfrm flipV="1">
-            <a:off x="8726669" y="6586634"/>
+            <a:off x="7482069" y="6586634"/>
             <a:ext cx="1853999" cy="0"/>
           </a:xfrm>
           <a:prstGeom prst="straightConnector1">
@@ -7216,7 +7215,7 @@
         </p:nvSpPr>
         <p:spPr bwMode="auto">
           <a:xfrm>
-            <a:off x="1725433" y="6451475"/>
+            <a:off x="480833" y="6451475"/>
             <a:ext cx="3071814" cy="261482"/>
           </a:xfrm>
           <a:prstGeom prst="rect">
@@ -7289,7 +7288,7 @@
         </p:nvCxnSpPr>
         <p:spPr>
           <a:xfrm>
-            <a:off x="2185848" y="4720786"/>
+            <a:off x="941248" y="4720786"/>
             <a:ext cx="0" cy="1721992"/>
           </a:xfrm>
           <a:prstGeom prst="straightConnector1">
@@ -7323,7 +7322,7 @@
         </p:nvCxnSpPr>
         <p:spPr>
           <a:xfrm>
-            <a:off x="4413429" y="5768207"/>
+            <a:off x="3168829" y="5768207"/>
             <a:ext cx="0" cy="683268"/>
           </a:xfrm>
           <a:prstGeom prst="straightConnector1">
@@ -7357,7 +7356,7 @@
         </p:nvCxnSpPr>
         <p:spPr>
           <a:xfrm>
-            <a:off x="2198549" y="4731110"/>
+            <a:off x="953949" y="4731110"/>
             <a:ext cx="3420000" cy="0"/>
           </a:xfrm>
           <a:prstGeom prst="line">
@@ -7400,7 +7399,7 @@
         </p:nvSpPr>
         <p:spPr bwMode="auto">
           <a:xfrm>
-            <a:off x="2453977" y="5948603"/>
+            <a:off x="1136807" y="5977631"/>
             <a:ext cx="1900874" cy="218740"/>
           </a:xfrm>
           <a:prstGeom prst="rect">
@@ -7497,8 +7496,8 @@
         </p:nvCxnSpPr>
         <p:spPr>
           <a:xfrm>
-            <a:off x="6070226" y="4958591"/>
-            <a:ext cx="0" cy="548005"/>
+            <a:off x="4825626" y="4818890"/>
+            <a:ext cx="0" cy="684000"/>
           </a:xfrm>
           <a:prstGeom prst="straightConnector1">
             <a:avLst/>
@@ -7531,7 +7530,7 @@
         </p:nvSpPr>
         <p:spPr bwMode="auto">
           <a:xfrm>
-            <a:off x="10568165" y="3773601"/>
+            <a:off x="9323565" y="3773601"/>
             <a:ext cx="2114550" cy="261482"/>
           </a:xfrm>
           <a:prstGeom prst="rect">
@@ -7608,7 +7607,7 @@
         </p:nvCxnSpPr>
         <p:spPr>
           <a:xfrm flipV="1">
-            <a:off x="8716352" y="3796950"/>
+            <a:off x="7471752" y="3796950"/>
             <a:ext cx="1853999" cy="0"/>
           </a:xfrm>
           <a:prstGeom prst="straightConnector1">
@@ -7644,7 +7643,7 @@
         </p:nvSpPr>
         <p:spPr bwMode="auto">
           <a:xfrm>
-            <a:off x="2826724" y="7806090"/>
+            <a:off x="1582124" y="7893174"/>
             <a:ext cx="1132680" cy="201965"/>
           </a:xfrm>
           <a:prstGeom prst="rect">
@@ -7726,8 +7725,274 @@
         </p:nvSpPr>
         <p:spPr bwMode="auto">
           <a:xfrm>
-            <a:off x="2486203" y="8502787"/>
+            <a:off x="1241603" y="8578987"/>
             <a:ext cx="1790702" cy="246238"/>
+          </a:xfrm>
+          <a:prstGeom prst="rect">
+            <a:avLst/>
+          </a:prstGeom>
+          <a:noFill/>
+          <a:ln>
+            <a:noFill/>
+          </a:ln>
+        </p:spPr>
+        <p:txBody>
+          <a:bodyPr vert="horz" wrap="square" lIns="91440" tIns="45720" rIns="91440" bIns="45720" numCol="1" anchor="t" anchorCtr="0" compatLnSpc="1">
+            <a:prstTxWarp prst="textNoShape">
+              <a:avLst/>
+            </a:prstTxWarp>
+          </a:bodyPr>
+          <a:lstStyle/>
+          <a:p>
+            <a:pPr defTabSz="914384" eaLnBrk="0" fontAlgn="base" hangingPunct="0">
+              <a:spcBef>
+                <a:spcPct val="0"/>
+              </a:spcBef>
+              <a:spcAft>
+                <a:spcPct val="0"/>
+              </a:spcAft>
+            </a:pPr>
+            <a:r>
+              <a:rPr lang="en-GB" altLang="LID4096" sz="1099" b="1" i="1" dirty="0" err="1">
+                <a:solidFill>
+                  <a:srgbClr val="FF0000"/>
+                </a:solidFill>
+                <a:latin typeface="Calibri" panose="020F0502020204030204" pitchFamily="34" charset="0"/>
+                <a:ea typeface="Calibri" panose="020F0502020204030204" pitchFamily="34" charset="0"/>
+                <a:cs typeface="Times New Roman" panose="02020603050405020304" pitchFamily="18" charset="0"/>
+              </a:rPr>
+              <a:t>thinsnps</a:t>
+            </a:r>
+            <a:r>
+              <a:rPr lang="en-GB" altLang="LID4096" sz="1099" b="1" i="1" dirty="0">
+                <a:solidFill>
+                  <a:srgbClr val="FF0000"/>
+                </a:solidFill>
+                <a:latin typeface="Calibri" panose="020F0502020204030204" pitchFamily="34" charset="0"/>
+                <a:ea typeface="Calibri" panose="020F0502020204030204" pitchFamily="34" charset="0"/>
+                <a:cs typeface="Times New Roman" panose="02020603050405020304" pitchFamily="18" charset="0"/>
+              </a:rPr>
+              <a:t> (</a:t>
+            </a:r>
+            <a:r>
+              <a:rPr lang="en-GB" altLang="LID4096" sz="1099" b="1" i="1" dirty="0" err="1">
+                <a:solidFill>
+                  <a:srgbClr val="FF0000"/>
+                </a:solidFill>
+                <a:latin typeface="Calibri" panose="020F0502020204030204" pitchFamily="34" charset="0"/>
+                <a:ea typeface="Calibri" panose="020F0502020204030204" pitchFamily="34" charset="0"/>
+                <a:cs typeface="Times New Roman" panose="02020603050405020304" pitchFamily="18" charset="0"/>
+              </a:rPr>
+              <a:t>thinsnpbp</a:t>
+            </a:r>
+            <a:r>
+              <a:rPr lang="en-GB" altLang="LID4096" sz="1099" b="1" i="1" dirty="0">
+                <a:solidFill>
+                  <a:srgbClr val="FF0000"/>
+                </a:solidFill>
+                <a:latin typeface="Calibri" panose="020F0502020204030204" pitchFamily="34" charset="0"/>
+                <a:ea typeface="Calibri" panose="020F0502020204030204" pitchFamily="34" charset="0"/>
+                <a:cs typeface="Times New Roman" panose="02020603050405020304" pitchFamily="18" charset="0"/>
+              </a:rPr>
+              <a:t>=?????)</a:t>
+            </a:r>
+            <a:endParaRPr lang="en-GB" altLang="LID4096" dirty="0">
+              <a:solidFill>
+                <a:srgbClr val="FF0000"/>
+              </a:solidFill>
+              <a:latin typeface="Arial" panose="020B0604020202020204" pitchFamily="34" charset="0"/>
+            </a:endParaRPr>
+          </a:p>
+        </p:txBody>
+      </p:sp>
+      <p:cxnSp>
+        <p:nvCxnSpPr>
+          <p:cNvPr id="95" name="Straight Arrow Connector 94">
+            <a:extLst>
+              <a:ext uri="{FF2B5EF4-FFF2-40B4-BE49-F238E27FC236}">
+                <a16:creationId xmlns:a16="http://schemas.microsoft.com/office/drawing/2014/main" id="{C32970AA-5C2F-8C81-09C7-1008A139C292}"/>
+              </a:ext>
+            </a:extLst>
+          </p:cNvPr>
+          <p:cNvCxnSpPr>
+            <a:cxnSpLocks/>
+          </p:cNvCxnSpPr>
+          <p:nvPr/>
+        </p:nvCxnSpPr>
+        <p:spPr>
+          <a:xfrm>
+            <a:off x="941248" y="8611824"/>
+            <a:ext cx="0" cy="216000"/>
+          </a:xfrm>
+          <a:prstGeom prst="straightConnector1">
+            <a:avLst/>
+          </a:prstGeom>
+          <a:noFill/>
+          <a:ln w="19050" cap="flat" cmpd="sng" algn="ctr">
+            <a:solidFill>
+              <a:srgbClr val="FF0000"/>
+            </a:solidFill>
+            <a:prstDash val="solid"/>
+            <a:miter lim="800000"/>
+            <a:tailEnd type="triangle"/>
+          </a:ln>
+          <a:effectLst/>
+        </p:spPr>
+      </p:cxnSp>
+      <p:cxnSp>
+        <p:nvCxnSpPr>
+          <p:cNvPr id="98" name="Straight Arrow Connector 97">
+            <a:extLst>
+              <a:ext uri="{FF2B5EF4-FFF2-40B4-BE49-F238E27FC236}">
+                <a16:creationId xmlns:a16="http://schemas.microsoft.com/office/drawing/2014/main" id="{30FD4734-858A-6A40-FA5F-100B0D601BAD}"/>
+              </a:ext>
+            </a:extLst>
+          </p:cNvPr>
+          <p:cNvCxnSpPr>
+            <a:cxnSpLocks/>
+          </p:cNvCxnSpPr>
+          <p:nvPr/>
+        </p:nvCxnSpPr>
+        <p:spPr>
+          <a:xfrm>
+            <a:off x="1020386" y="6718810"/>
+            <a:ext cx="0" cy="1620000"/>
+          </a:xfrm>
+          <a:prstGeom prst="straightConnector1">
+            <a:avLst/>
+          </a:prstGeom>
+          <a:noFill/>
+          <a:ln w="19050" cap="flat" cmpd="sng" algn="ctr">
+            <a:solidFill>
+              <a:srgbClr val="FF0000"/>
+            </a:solidFill>
+            <a:prstDash val="dash"/>
+            <a:miter lim="800000"/>
+            <a:tailEnd type="triangle"/>
+          </a:ln>
+          <a:effectLst/>
+        </p:spPr>
+      </p:cxnSp>
+      <p:cxnSp>
+        <p:nvCxnSpPr>
+          <p:cNvPr id="105" name="Straight Arrow Connector 104">
+            <a:extLst>
+              <a:ext uri="{FF2B5EF4-FFF2-40B4-BE49-F238E27FC236}">
+                <a16:creationId xmlns:a16="http://schemas.microsoft.com/office/drawing/2014/main" id="{D2A3119A-D651-F37E-2422-71CF7E8AB8A4}"/>
+              </a:ext>
+            </a:extLst>
+          </p:cNvPr>
+          <p:cNvCxnSpPr>
+            <a:cxnSpLocks/>
+          </p:cNvCxnSpPr>
+          <p:nvPr/>
+        </p:nvCxnSpPr>
+        <p:spPr>
+          <a:xfrm flipV="1">
+            <a:off x="3554233" y="8865398"/>
+            <a:ext cx="5760000" cy="0"/>
+          </a:xfrm>
+          <a:prstGeom prst="straightConnector1">
+            <a:avLst/>
+          </a:prstGeom>
+          <a:noFill/>
+          <a:ln w="19050" cap="flat" cmpd="sng" algn="ctr">
+            <a:solidFill>
+              <a:srgbClr val="FF0000"/>
+            </a:solidFill>
+            <a:prstDash val="solid"/>
+            <a:miter lim="800000"/>
+            <a:tailEnd type="triangle"/>
+          </a:ln>
+          <a:effectLst/>
+        </p:spPr>
+      </p:cxnSp>
+      <p:cxnSp>
+        <p:nvCxnSpPr>
+          <p:cNvPr id="106" name="Straight Arrow Connector 105">
+            <a:extLst>
+              <a:ext uri="{FF2B5EF4-FFF2-40B4-BE49-F238E27FC236}">
+                <a16:creationId xmlns:a16="http://schemas.microsoft.com/office/drawing/2014/main" id="{6C0EA763-C8DB-5C61-8633-179569421C68}"/>
+              </a:ext>
+            </a:extLst>
+          </p:cNvPr>
+          <p:cNvCxnSpPr>
+            <a:cxnSpLocks/>
+          </p:cNvCxnSpPr>
+          <p:nvPr/>
+        </p:nvCxnSpPr>
+        <p:spPr>
+          <a:xfrm flipV="1">
+            <a:off x="3548666" y="8619086"/>
+            <a:ext cx="5760000" cy="0"/>
+          </a:xfrm>
+          <a:prstGeom prst="straightConnector1">
+            <a:avLst/>
+          </a:prstGeom>
+          <a:noFill/>
+          <a:ln w="19050" cap="flat" cmpd="sng" algn="ctr">
+            <a:solidFill>
+              <a:srgbClr val="FF0000"/>
+            </a:solidFill>
+            <a:prstDash val="dash"/>
+            <a:miter lim="800000"/>
+            <a:tailEnd type="triangle"/>
+          </a:ln>
+          <a:effectLst/>
+        </p:spPr>
+      </p:cxnSp>
+      <p:cxnSp>
+        <p:nvCxnSpPr>
+          <p:cNvPr id="108" name="Straight Arrow Connector 107">
+            <a:extLst>
+              <a:ext uri="{FF2B5EF4-FFF2-40B4-BE49-F238E27FC236}">
+                <a16:creationId xmlns:a16="http://schemas.microsoft.com/office/drawing/2014/main" id="{E651952F-F7A3-BF37-C5DA-EE3D2BCA99D0}"/>
+              </a:ext>
+            </a:extLst>
+          </p:cNvPr>
+          <p:cNvCxnSpPr>
+            <a:cxnSpLocks/>
+          </p:cNvCxnSpPr>
+          <p:nvPr/>
+        </p:nvCxnSpPr>
+        <p:spPr>
+          <a:xfrm>
+            <a:off x="10371790" y="6858057"/>
+            <a:ext cx="0" cy="1224000"/>
+          </a:xfrm>
+          <a:prstGeom prst="straightConnector1">
+            <a:avLst/>
+          </a:prstGeom>
+          <a:noFill/>
+          <a:ln w="19050" cap="flat" cmpd="sng" algn="ctr">
+            <a:solidFill>
+              <a:srgbClr val="0070C0"/>
+            </a:solidFill>
+            <a:prstDash val="solid"/>
+            <a:miter lim="800000"/>
+            <a:tailEnd type="triangle"/>
+          </a:ln>
+          <a:effectLst/>
+        </p:spPr>
+      </p:cxnSp>
+      <p:sp>
+        <p:nvSpPr>
+          <p:cNvPr id="110" name="Text Box 8">
+            <a:extLst>
+              <a:ext uri="{FF2B5EF4-FFF2-40B4-BE49-F238E27FC236}">
+                <a16:creationId xmlns:a16="http://schemas.microsoft.com/office/drawing/2014/main" id="{60A2C837-3416-9CD6-8BE0-B5E90D7938C4}"/>
+              </a:ext>
+            </a:extLst>
+          </p:cNvPr>
+          <p:cNvSpPr txBox="1">
+            <a:spLocks noChangeArrowheads="1"/>
+          </p:cNvSpPr>
+          <p:nvPr/>
+        </p:nvSpPr>
+        <p:spPr bwMode="auto">
+          <a:xfrm>
+            <a:off x="7919741" y="6329024"/>
+            <a:ext cx="1132680" cy="201965"/>
           </a:xfrm>
           <a:prstGeom prst="rect">
             <a:avLst/>
@@ -7768,286 +8033,6 @@
               </a:spcAft>
             </a:pPr>
             <a:r>
-              <a:rPr lang="en-GB" altLang="LID4096" sz="1099" b="1" i="1" dirty="0" err="1">
-                <a:solidFill>
-                  <a:srgbClr val="FF0000"/>
-                </a:solidFill>
-                <a:latin typeface="Calibri" panose="020F0502020204030204" pitchFamily="34" charset="0"/>
-                <a:ea typeface="Calibri" panose="020F0502020204030204" pitchFamily="34" charset="0"/>
-                <a:cs typeface="Times New Roman" panose="02020603050405020304" pitchFamily="18" charset="0"/>
-              </a:rPr>
-              <a:t>thinsnps</a:t>
-            </a:r>
-            <a:r>
-              <a:rPr lang="en-GB" altLang="LID4096" sz="1099" b="1" i="1" dirty="0">
-                <a:solidFill>
-                  <a:srgbClr val="FF0000"/>
-                </a:solidFill>
-                <a:latin typeface="Calibri" panose="020F0502020204030204" pitchFamily="34" charset="0"/>
-                <a:ea typeface="Calibri" panose="020F0502020204030204" pitchFamily="34" charset="0"/>
-                <a:cs typeface="Times New Roman" panose="02020603050405020304" pitchFamily="18" charset="0"/>
-              </a:rPr>
-              <a:t> (</a:t>
-            </a:r>
-            <a:r>
-              <a:rPr lang="en-GB" altLang="LID4096" sz="1099" b="1" i="1" dirty="0" err="1">
-                <a:solidFill>
-                  <a:srgbClr val="FF0000"/>
-                </a:solidFill>
-                <a:latin typeface="Calibri" panose="020F0502020204030204" pitchFamily="34" charset="0"/>
-                <a:ea typeface="Calibri" panose="020F0502020204030204" pitchFamily="34" charset="0"/>
-                <a:cs typeface="Times New Roman" panose="02020603050405020304" pitchFamily="18" charset="0"/>
-              </a:rPr>
-              <a:t>thinsnpbp</a:t>
-            </a:r>
-            <a:r>
-              <a:rPr lang="en-GB" altLang="LID4096" sz="1099" b="1" i="1" dirty="0">
-                <a:solidFill>
-                  <a:srgbClr val="FF0000"/>
-                </a:solidFill>
-                <a:latin typeface="Calibri" panose="020F0502020204030204" pitchFamily="34" charset="0"/>
-                <a:ea typeface="Calibri" panose="020F0502020204030204" pitchFamily="34" charset="0"/>
-                <a:cs typeface="Times New Roman" panose="02020603050405020304" pitchFamily="18" charset="0"/>
-              </a:rPr>
-              <a:t>=?????)</a:t>
-            </a:r>
-            <a:endParaRPr lang="en-GB" altLang="LID4096" dirty="0">
-              <a:solidFill>
-                <a:srgbClr val="FF0000"/>
-              </a:solidFill>
-              <a:latin typeface="Arial" panose="020B0604020202020204" pitchFamily="34" charset="0"/>
-            </a:endParaRPr>
-          </a:p>
-        </p:txBody>
-      </p:sp>
-      <p:cxnSp>
-        <p:nvCxnSpPr>
-          <p:cNvPr id="95" name="Straight Arrow Connector 94">
-            <a:extLst>
-              <a:ext uri="{FF2B5EF4-FFF2-40B4-BE49-F238E27FC236}">
-                <a16:creationId xmlns:a16="http://schemas.microsoft.com/office/drawing/2014/main" id="{C32970AA-5C2F-8C81-09C7-1008A139C292}"/>
-              </a:ext>
-            </a:extLst>
-          </p:cNvPr>
-          <p:cNvCxnSpPr>
-            <a:cxnSpLocks/>
-          </p:cNvCxnSpPr>
-          <p:nvPr/>
-        </p:nvCxnSpPr>
-        <p:spPr>
-          <a:xfrm>
-            <a:off x="2185848" y="8474664"/>
-            <a:ext cx="0" cy="252000"/>
-          </a:xfrm>
-          <a:prstGeom prst="straightConnector1">
-            <a:avLst/>
-          </a:prstGeom>
-          <a:noFill/>
-          <a:ln w="19050" cap="flat" cmpd="sng" algn="ctr">
-            <a:solidFill>
-              <a:srgbClr val="FF0000"/>
-            </a:solidFill>
-            <a:prstDash val="solid"/>
-            <a:miter lim="800000"/>
-            <a:tailEnd type="triangle"/>
-          </a:ln>
-          <a:effectLst/>
-        </p:spPr>
-      </p:cxnSp>
-      <p:cxnSp>
-        <p:nvCxnSpPr>
-          <p:cNvPr id="98" name="Straight Arrow Connector 97">
-            <a:extLst>
-              <a:ext uri="{FF2B5EF4-FFF2-40B4-BE49-F238E27FC236}">
-                <a16:creationId xmlns:a16="http://schemas.microsoft.com/office/drawing/2014/main" id="{30FD4734-858A-6A40-FA5F-100B0D601BAD}"/>
-              </a:ext>
-            </a:extLst>
-          </p:cNvPr>
-          <p:cNvCxnSpPr>
-            <a:cxnSpLocks/>
-          </p:cNvCxnSpPr>
-          <p:nvPr/>
-        </p:nvCxnSpPr>
-        <p:spPr>
-          <a:xfrm>
-            <a:off x="2264986" y="6706111"/>
-            <a:ext cx="0" cy="1494001"/>
-          </a:xfrm>
-          <a:prstGeom prst="straightConnector1">
-            <a:avLst/>
-          </a:prstGeom>
-          <a:noFill/>
-          <a:ln w="19050" cap="flat" cmpd="sng" algn="ctr">
-            <a:solidFill>
-              <a:srgbClr val="FF0000"/>
-            </a:solidFill>
-            <a:prstDash val="dash"/>
-            <a:miter lim="800000"/>
-            <a:tailEnd type="triangle"/>
-          </a:ln>
-          <a:effectLst/>
-        </p:spPr>
-      </p:cxnSp>
-      <p:cxnSp>
-        <p:nvCxnSpPr>
-          <p:cNvPr id="105" name="Straight Arrow Connector 104">
-            <a:extLst>
-              <a:ext uri="{FF2B5EF4-FFF2-40B4-BE49-F238E27FC236}">
-                <a16:creationId xmlns:a16="http://schemas.microsoft.com/office/drawing/2014/main" id="{D2A3119A-D651-F37E-2422-71CF7E8AB8A4}"/>
-              </a:ext>
-            </a:extLst>
-          </p:cNvPr>
-          <p:cNvCxnSpPr>
-            <a:cxnSpLocks/>
-          </p:cNvCxnSpPr>
-          <p:nvPr/>
-        </p:nvCxnSpPr>
-        <p:spPr>
-          <a:xfrm flipV="1">
-            <a:off x="4817883" y="8796818"/>
-            <a:ext cx="5760000" cy="0"/>
-          </a:xfrm>
-          <a:prstGeom prst="straightConnector1">
-            <a:avLst/>
-          </a:prstGeom>
-          <a:noFill/>
-          <a:ln w="19050" cap="flat" cmpd="sng" algn="ctr">
-            <a:solidFill>
-              <a:srgbClr val="FF0000"/>
-            </a:solidFill>
-            <a:prstDash val="solid"/>
-            <a:miter lim="800000"/>
-            <a:tailEnd type="triangle"/>
-          </a:ln>
-          <a:effectLst/>
-        </p:spPr>
-      </p:cxnSp>
-      <p:cxnSp>
-        <p:nvCxnSpPr>
-          <p:cNvPr id="106" name="Straight Arrow Connector 105">
-            <a:extLst>
-              <a:ext uri="{FF2B5EF4-FFF2-40B4-BE49-F238E27FC236}">
-                <a16:creationId xmlns:a16="http://schemas.microsoft.com/office/drawing/2014/main" id="{6C0EA763-C8DB-5C61-8633-179569421C68}"/>
-              </a:ext>
-            </a:extLst>
-          </p:cNvPr>
-          <p:cNvCxnSpPr>
-            <a:cxnSpLocks/>
-          </p:cNvCxnSpPr>
-          <p:nvPr/>
-        </p:nvCxnSpPr>
-        <p:spPr>
-          <a:xfrm flipV="1">
-            <a:off x="4793266" y="8428586"/>
-            <a:ext cx="5760000" cy="0"/>
-          </a:xfrm>
-          <a:prstGeom prst="straightConnector1">
-            <a:avLst/>
-          </a:prstGeom>
-          <a:noFill/>
-          <a:ln w="19050" cap="flat" cmpd="sng" algn="ctr">
-            <a:solidFill>
-              <a:srgbClr val="FF0000"/>
-            </a:solidFill>
-            <a:prstDash val="dash"/>
-            <a:miter lim="800000"/>
-            <a:tailEnd type="triangle"/>
-          </a:ln>
-          <a:effectLst/>
-        </p:spPr>
-      </p:cxnSp>
-      <p:cxnSp>
-        <p:nvCxnSpPr>
-          <p:cNvPr id="108" name="Straight Arrow Connector 107">
-            <a:extLst>
-              <a:ext uri="{FF2B5EF4-FFF2-40B4-BE49-F238E27FC236}">
-                <a16:creationId xmlns:a16="http://schemas.microsoft.com/office/drawing/2014/main" id="{E651952F-F7A3-BF37-C5DA-EE3D2BCA99D0}"/>
-              </a:ext>
-            </a:extLst>
-          </p:cNvPr>
-          <p:cNvCxnSpPr>
-            <a:cxnSpLocks/>
-          </p:cNvCxnSpPr>
-          <p:nvPr/>
-        </p:nvCxnSpPr>
-        <p:spPr>
-          <a:xfrm>
-            <a:off x="11616390" y="6887086"/>
-            <a:ext cx="0" cy="1403999"/>
-          </a:xfrm>
-          <a:prstGeom prst="straightConnector1">
-            <a:avLst/>
-          </a:prstGeom>
-          <a:noFill/>
-          <a:ln w="19050" cap="flat" cmpd="sng" algn="ctr">
-            <a:solidFill>
-              <a:srgbClr val="0070C0"/>
-            </a:solidFill>
-            <a:prstDash val="solid"/>
-            <a:miter lim="800000"/>
-            <a:tailEnd type="triangle"/>
-          </a:ln>
-          <a:effectLst/>
-        </p:spPr>
-      </p:cxnSp>
-      <p:sp>
-        <p:nvSpPr>
-          <p:cNvPr id="110" name="Text Box 8">
-            <a:extLst>
-              <a:ext uri="{FF2B5EF4-FFF2-40B4-BE49-F238E27FC236}">
-                <a16:creationId xmlns:a16="http://schemas.microsoft.com/office/drawing/2014/main" id="{60A2C837-3416-9CD6-8BE0-B5E90D7938C4}"/>
-              </a:ext>
-            </a:extLst>
-          </p:cNvPr>
-          <p:cNvSpPr txBox="1">
-            <a:spLocks noChangeArrowheads="1"/>
-          </p:cNvSpPr>
-          <p:nvPr/>
-        </p:nvSpPr>
-        <p:spPr bwMode="auto">
-          <a:xfrm>
-            <a:off x="9164341" y="6329024"/>
-            <a:ext cx="1132680" cy="201965"/>
-          </a:xfrm>
-          <a:prstGeom prst="rect">
-            <a:avLst/>
-          </a:prstGeom>
-          <a:solidFill>
-            <a:srgbClr val="FFFFFF"/>
-          </a:solidFill>
-          <a:ln>
-            <a:noFill/>
-          </a:ln>
-          <a:extLst>
-            <a:ext uri="{91240B29-F687-4F45-9708-019B960494DF}">
-              <a14:hiddenLine xmlns:a14="http://schemas.microsoft.com/office/drawing/2010/main" w="9525">
-                <a:solidFill>
-                  <a:srgbClr val="000000"/>
-                </a:solidFill>
-                <a:miter lim="800000"/>
-                <a:headEnd/>
-                <a:tailEnd/>
-              </a14:hiddenLine>
-            </a:ext>
-          </a:extLst>
-        </p:spPr>
-        <p:txBody>
-          <a:bodyPr vert="horz" wrap="square" lIns="91440" tIns="45720" rIns="91440" bIns="45720" numCol="1" anchor="t" anchorCtr="0" compatLnSpc="1">
-            <a:prstTxWarp prst="textNoShape">
-              <a:avLst/>
-            </a:prstTxWarp>
-          </a:bodyPr>
-          <a:lstStyle/>
-          <a:p>
-            <a:pPr defTabSz="914384" eaLnBrk="0" fontAlgn="base" hangingPunct="0">
-              <a:spcBef>
-                <a:spcPct val="0"/>
-              </a:spcBef>
-              <a:spcAft>
-                <a:spcPct val="0"/>
-              </a:spcAft>
-            </a:pPr>
-            <a:r>
               <a:rPr lang="en-GB" altLang="LID4096" sz="1099" b="1" i="1" dirty="0">
                 <a:solidFill>
                   <a:srgbClr val="0070C0"/>
@@ -8088,7 +8073,7 @@
         </p:nvSpPr>
         <p:spPr bwMode="auto">
           <a:xfrm>
-            <a:off x="1665666" y="3682423"/>
+            <a:off x="421066" y="3682423"/>
             <a:ext cx="2114550" cy="261482"/>
           </a:xfrm>
           <a:prstGeom prst="rect">
@@ -8165,7 +8150,7 @@
         </p:nvCxnSpPr>
         <p:spPr>
           <a:xfrm rot="10800000" flipV="1">
-            <a:off x="3780219" y="3796950"/>
+            <a:off x="2535619" y="3796950"/>
             <a:ext cx="1853999" cy="0"/>
           </a:xfrm>
           <a:prstGeom prst="straightConnector1">
@@ -8201,7 +8186,7 @@
         </p:nvSpPr>
         <p:spPr bwMode="auto">
           <a:xfrm>
-            <a:off x="10568169" y="3509945"/>
+            <a:off x="9323569" y="3509945"/>
             <a:ext cx="2116535" cy="264187"/>
           </a:xfrm>
           <a:prstGeom prst="rect">
@@ -8253,6 +8238,304 @@
           </a:p>
         </p:txBody>
       </p:sp>
+      <p:sp>
+        <p:nvSpPr>
+          <p:cNvPr id="2" name="Text Box 1">
+            <a:extLst>
+              <a:ext uri="{FF2B5EF4-FFF2-40B4-BE49-F238E27FC236}">
+                <a16:creationId xmlns:a16="http://schemas.microsoft.com/office/drawing/2014/main" id="{3FCAA73B-73A2-868C-FF91-82E945E6023B}"/>
+              </a:ext>
+            </a:extLst>
+          </p:cNvPr>
+          <p:cNvSpPr txBox="1">
+            <a:spLocks noChangeArrowheads="1"/>
+          </p:cNvSpPr>
+          <p:nvPr/>
+        </p:nvSpPr>
+        <p:spPr bwMode="auto">
+          <a:xfrm>
+            <a:off x="9315747" y="8079444"/>
+            <a:ext cx="2224883" cy="261482"/>
+          </a:xfrm>
+          <a:prstGeom prst="rect">
+            <a:avLst/>
+          </a:prstGeom>
+          <a:solidFill>
+            <a:srgbClr val="FFFFFF"/>
+          </a:solidFill>
+          <a:ln w="9525">
+            <a:solidFill>
+              <a:srgbClr val="000000"/>
+            </a:solidFill>
+            <a:miter lim="800000"/>
+            <a:headEnd/>
+            <a:tailEnd/>
+          </a:ln>
+        </p:spPr>
+        <p:txBody>
+          <a:bodyPr vert="horz" wrap="square" lIns="91440" tIns="45720" rIns="91440" bIns="45720" numCol="1" anchor="t" anchorCtr="0" compatLnSpc="1">
+            <a:prstTxWarp prst="textNoShape">
+              <a:avLst/>
+            </a:prstTxWarp>
+            <a:spAutoFit/>
+          </a:bodyPr>
+          <a:lstStyle/>
+          <a:p>
+            <a:pPr algn="ctr" defTabSz="914384" eaLnBrk="0" fontAlgn="base" hangingPunct="0">
+              <a:spcBef>
+                <a:spcPct val="0"/>
+              </a:spcBef>
+              <a:spcAft>
+                <a:spcPct val="0"/>
+              </a:spcAft>
+            </a:pPr>
+            <a:r>
+              <a:rPr lang="en-GB" altLang="LID4096" sz="1099" i="1" dirty="0">
+                <a:solidFill>
+                  <a:srgbClr val="0070C0"/>
+                </a:solidFill>
+                <a:latin typeface="Calibri" panose="020F0502020204030204" pitchFamily="34" charset="0"/>
+                <a:ea typeface="Calibri" panose="020F0502020204030204" pitchFamily="34" charset="0"/>
+                <a:cs typeface="Times New Roman" panose="02020603050405020304" pitchFamily="18" charset="0"/>
+              </a:rPr>
+              <a:t>allvcfdist.txt</a:t>
+            </a:r>
+            <a:endParaRPr lang="en-GB" altLang="LID4096" dirty="0">
+              <a:solidFill>
+                <a:srgbClr val="0070C0"/>
+              </a:solidFill>
+              <a:latin typeface="Arial" panose="020B0604020202020204" pitchFamily="34" charset="0"/>
+            </a:endParaRPr>
+          </a:p>
+        </p:txBody>
+      </p:sp>
+      <p:pic>
+        <p:nvPicPr>
+          <p:cNvPr id="19" name="Picture 18">
+            <a:extLst>
+              <a:ext uri="{FF2B5EF4-FFF2-40B4-BE49-F238E27FC236}">
+                <a16:creationId xmlns:a16="http://schemas.microsoft.com/office/drawing/2014/main" id="{C3DCE953-1400-A198-44CD-0B8D2836CB8F}"/>
+              </a:ext>
+            </a:extLst>
+          </p:cNvPr>
+          <p:cNvPicPr>
+            <a:picLocks noChangeAspect="1"/>
+          </p:cNvPicPr>
+          <p:nvPr/>
+        </p:nvPicPr>
+        <p:blipFill>
+          <a:blip r:embed="rId3"/>
+          <a:stretch>
+            <a:fillRect/>
+          </a:stretch>
+        </p:blipFill>
+        <p:spPr>
+          <a:xfrm>
+            <a:off x="12006792" y="2256760"/>
+            <a:ext cx="1954145" cy="1954145"/>
+          </a:xfrm>
+          <a:prstGeom prst="rect">
+            <a:avLst/>
+          </a:prstGeom>
+        </p:spPr>
+      </p:pic>
+      <p:pic>
+        <p:nvPicPr>
+          <p:cNvPr id="21" name="Picture 20">
+            <a:extLst>
+              <a:ext uri="{FF2B5EF4-FFF2-40B4-BE49-F238E27FC236}">
+                <a16:creationId xmlns:a16="http://schemas.microsoft.com/office/drawing/2014/main" id="{E5EBBB87-74F5-C9C6-D6E0-F2E026560528}"/>
+              </a:ext>
+            </a:extLst>
+          </p:cNvPr>
+          <p:cNvPicPr>
+            <a:picLocks noChangeAspect="1"/>
+          </p:cNvPicPr>
+          <p:nvPr/>
+        </p:nvPicPr>
+        <p:blipFill>
+          <a:blip r:embed="rId4"/>
+          <a:stretch>
+            <a:fillRect/>
+          </a:stretch>
+        </p:blipFill>
+        <p:spPr>
+          <a:xfrm>
+            <a:off x="12155107" y="7328885"/>
+            <a:ext cx="1780430" cy="1918234"/>
+          </a:xfrm>
+          <a:prstGeom prst="rect">
+            <a:avLst/>
+          </a:prstGeom>
+        </p:spPr>
+      </p:pic>
+      <p:pic>
+        <p:nvPicPr>
+          <p:cNvPr id="28" name="Picture 27">
+            <a:extLst>
+              <a:ext uri="{FF2B5EF4-FFF2-40B4-BE49-F238E27FC236}">
+                <a16:creationId xmlns:a16="http://schemas.microsoft.com/office/drawing/2014/main" id="{46ABF0EA-22E2-5F24-30CA-E5DA7E2B6721}"/>
+              </a:ext>
+            </a:extLst>
+          </p:cNvPr>
+          <p:cNvPicPr>
+            <a:picLocks noChangeAspect="1"/>
+          </p:cNvPicPr>
+          <p:nvPr/>
+        </p:nvPicPr>
+        <p:blipFill>
+          <a:blip r:embed="rId5"/>
+          <a:srcRect r="46690"/>
+          <a:stretch/>
+        </p:blipFill>
+        <p:spPr>
+          <a:xfrm>
+            <a:off x="11857333" y="4393236"/>
+            <a:ext cx="2078204" cy="1129649"/>
+          </a:xfrm>
+          <a:prstGeom prst="rect">
+            <a:avLst/>
+          </a:prstGeom>
+        </p:spPr>
+      </p:pic>
+      <p:cxnSp>
+        <p:nvCxnSpPr>
+          <p:cNvPr id="30" name="Straight Arrow Connector 29">
+            <a:extLst>
+              <a:ext uri="{FF2B5EF4-FFF2-40B4-BE49-F238E27FC236}">
+                <a16:creationId xmlns:a16="http://schemas.microsoft.com/office/drawing/2014/main" id="{E71EC0D5-5801-5692-2C4E-D13AF87489A6}"/>
+              </a:ext>
+            </a:extLst>
+          </p:cNvPr>
+          <p:cNvCxnSpPr>
+            <a:cxnSpLocks/>
+          </p:cNvCxnSpPr>
+          <p:nvPr/>
+        </p:nvCxnSpPr>
+        <p:spPr>
+          <a:xfrm>
+            <a:off x="11482486" y="3773601"/>
+            <a:ext cx="329127" cy="0"/>
+          </a:xfrm>
+          <a:prstGeom prst="straightConnector1">
+            <a:avLst/>
+          </a:prstGeom>
+          <a:noFill/>
+          <a:ln w="19050" cap="flat" cmpd="sng" algn="ctr">
+            <a:solidFill>
+              <a:schemeClr val="bg1">
+                <a:lumMod val="85000"/>
+              </a:schemeClr>
+            </a:solidFill>
+            <a:prstDash val="solid"/>
+            <a:miter lim="800000"/>
+            <a:tailEnd type="triangle"/>
+          </a:ln>
+          <a:effectLst/>
+        </p:spPr>
+      </p:cxnSp>
+      <p:cxnSp>
+        <p:nvCxnSpPr>
+          <p:cNvPr id="42" name="Straight Arrow Connector 41">
+            <a:extLst>
+              <a:ext uri="{FF2B5EF4-FFF2-40B4-BE49-F238E27FC236}">
+                <a16:creationId xmlns:a16="http://schemas.microsoft.com/office/drawing/2014/main" id="{D2403B7E-D33E-29D5-5826-5CDA9519B716}"/>
+              </a:ext>
+            </a:extLst>
+          </p:cNvPr>
+          <p:cNvCxnSpPr>
+            <a:cxnSpLocks/>
+          </p:cNvCxnSpPr>
+          <p:nvPr/>
+        </p:nvCxnSpPr>
+        <p:spPr>
+          <a:xfrm>
+            <a:off x="11490246" y="4764288"/>
+            <a:ext cx="329127" cy="0"/>
+          </a:xfrm>
+          <a:prstGeom prst="straightConnector1">
+            <a:avLst/>
+          </a:prstGeom>
+          <a:noFill/>
+          <a:ln w="19050" cap="flat" cmpd="sng" algn="ctr">
+            <a:solidFill>
+              <a:srgbClr val="00B050"/>
+            </a:solidFill>
+            <a:prstDash val="solid"/>
+            <a:miter lim="800000"/>
+            <a:tailEnd type="triangle"/>
+          </a:ln>
+          <a:effectLst/>
+        </p:spPr>
+      </p:cxnSp>
+      <p:cxnSp>
+        <p:nvCxnSpPr>
+          <p:cNvPr id="43" name="Straight Arrow Connector 42">
+            <a:extLst>
+              <a:ext uri="{FF2B5EF4-FFF2-40B4-BE49-F238E27FC236}">
+                <a16:creationId xmlns:a16="http://schemas.microsoft.com/office/drawing/2014/main" id="{CE2F5DBA-F749-1816-A517-AF5201E1A6A4}"/>
+              </a:ext>
+            </a:extLst>
+          </p:cNvPr>
+          <p:cNvCxnSpPr>
+            <a:cxnSpLocks/>
+          </p:cNvCxnSpPr>
+          <p:nvPr/>
+        </p:nvCxnSpPr>
+        <p:spPr>
+          <a:xfrm>
+            <a:off x="11587915" y="8272697"/>
+            <a:ext cx="329127" cy="0"/>
+          </a:xfrm>
+          <a:prstGeom prst="straightConnector1">
+            <a:avLst/>
+          </a:prstGeom>
+          <a:noFill/>
+          <a:ln w="19050" cap="flat" cmpd="sng" algn="ctr">
+            <a:solidFill>
+              <a:srgbClr val="0070C0"/>
+            </a:solidFill>
+            <a:prstDash val="solid"/>
+            <a:miter lim="800000"/>
+            <a:tailEnd type="triangle"/>
+          </a:ln>
+          <a:effectLst/>
+        </p:spPr>
+      </p:cxnSp>
+      <p:cxnSp>
+        <p:nvCxnSpPr>
+          <p:cNvPr id="44" name="Straight Arrow Connector 43">
+            <a:extLst>
+              <a:ext uri="{FF2B5EF4-FFF2-40B4-BE49-F238E27FC236}">
+                <a16:creationId xmlns:a16="http://schemas.microsoft.com/office/drawing/2014/main" id="{59F2AA84-ECE2-71B8-C5E8-A44ED20F88A5}"/>
+              </a:ext>
+            </a:extLst>
+          </p:cNvPr>
+          <p:cNvCxnSpPr>
+            <a:cxnSpLocks/>
+          </p:cNvCxnSpPr>
+          <p:nvPr/>
+        </p:nvCxnSpPr>
+        <p:spPr>
+          <a:xfrm>
+            <a:off x="11587915" y="8735199"/>
+            <a:ext cx="329127" cy="0"/>
+          </a:xfrm>
+          <a:prstGeom prst="straightConnector1">
+            <a:avLst/>
+          </a:prstGeom>
+          <a:noFill/>
+          <a:ln w="19050" cap="flat" cmpd="sng" algn="ctr">
+            <a:solidFill>
+              <a:srgbClr val="FF0000"/>
+            </a:solidFill>
+            <a:prstDash val="solid"/>
+            <a:miter lim="800000"/>
+            <a:tailEnd type="triangle"/>
+          </a:ln>
+          <a:effectLst/>
+        </p:spPr>
+      </p:cxnSp>
     </p:spTree>
     <p:extLst>
       <p:ext uri="{BB962C8B-B14F-4D97-AF65-F5344CB8AC3E}">
